--- a/atCloud - Diseño - Modelos de Surtido.pptx
+++ b/atCloud - Diseño - Modelos de Surtido.pptx
@@ -9,9 +9,10 @@
     <p:sldId id="258" r:id="rId3"/>
     <p:sldId id="259" r:id="rId4"/>
     <p:sldId id="257" r:id="rId5"/>
-    <p:sldId id="261" r:id="rId6"/>
-    <p:sldId id="262" r:id="rId7"/>
-    <p:sldId id="260" r:id="rId8"/>
+    <p:sldId id="264" r:id="rId6"/>
+    <p:sldId id="261" r:id="rId7"/>
+    <p:sldId id="262" r:id="rId8"/>
+    <p:sldId id="260" r:id="rId9"/>
   </p:sldIdLst>
   <p:sldSz cx="12192000" cy="6858000"/>
   <p:notesSz cx="6858000" cy="9144000"/>
@@ -110,6 +111,11 @@
       </a:defRPr>
     </a:lvl9pPr>
   </p:defaultTextStyle>
+  <p:extLst>
+    <p:ext uri="{EFAFB233-063F-42B5-8137-9DF3F51BA10A}">
+      <p15:sldGuideLst xmlns:p15="http://schemas.microsoft.com/office/powerpoint/2012/main"/>
+    </p:ext>
+  </p:extLst>
 </p:presentation>
 </file>
 
@@ -262,7 +268,7 @@
           <a:p>
             <a:fld id="{DC7435B9-0E12-0B4F-AEAD-4257853CAF9C}" type="datetimeFigureOut">
               <a:rPr lang="es-ES_tradnl" smtClean="0"/>
-              <a:t>13/11/24</a:t>
+              <a:t>30/11/24</a:t>
             </a:fld>
             <a:endParaRPr lang="es-ES_tradnl"/>
           </a:p>
@@ -462,7 +468,7 @@
           <a:p>
             <a:fld id="{DC7435B9-0E12-0B4F-AEAD-4257853CAF9C}" type="datetimeFigureOut">
               <a:rPr lang="es-ES_tradnl" smtClean="0"/>
-              <a:t>13/11/24</a:t>
+              <a:t>30/11/24</a:t>
             </a:fld>
             <a:endParaRPr lang="es-ES_tradnl"/>
           </a:p>
@@ -672,7 +678,7 @@
           <a:p>
             <a:fld id="{DC7435B9-0E12-0B4F-AEAD-4257853CAF9C}" type="datetimeFigureOut">
               <a:rPr lang="es-ES_tradnl" smtClean="0"/>
-              <a:t>13/11/24</a:t>
+              <a:t>30/11/24</a:t>
             </a:fld>
             <a:endParaRPr lang="es-ES_tradnl"/>
           </a:p>
@@ -872,7 +878,7 @@
           <a:p>
             <a:fld id="{DC7435B9-0E12-0B4F-AEAD-4257853CAF9C}" type="datetimeFigureOut">
               <a:rPr lang="es-ES_tradnl" smtClean="0"/>
-              <a:t>13/11/24</a:t>
+              <a:t>30/11/24</a:t>
             </a:fld>
             <a:endParaRPr lang="es-ES_tradnl"/>
           </a:p>
@@ -1148,7 +1154,7 @@
           <a:p>
             <a:fld id="{DC7435B9-0E12-0B4F-AEAD-4257853CAF9C}" type="datetimeFigureOut">
               <a:rPr lang="es-ES_tradnl" smtClean="0"/>
-              <a:t>13/11/24</a:t>
+              <a:t>30/11/24</a:t>
             </a:fld>
             <a:endParaRPr lang="es-ES_tradnl"/>
           </a:p>
@@ -1416,7 +1422,7 @@
           <a:p>
             <a:fld id="{DC7435B9-0E12-0B4F-AEAD-4257853CAF9C}" type="datetimeFigureOut">
               <a:rPr lang="es-ES_tradnl" smtClean="0"/>
-              <a:t>13/11/24</a:t>
+              <a:t>30/11/24</a:t>
             </a:fld>
             <a:endParaRPr lang="es-ES_tradnl"/>
           </a:p>
@@ -1831,7 +1837,7 @@
           <a:p>
             <a:fld id="{DC7435B9-0E12-0B4F-AEAD-4257853CAF9C}" type="datetimeFigureOut">
               <a:rPr lang="es-ES_tradnl" smtClean="0"/>
-              <a:t>13/11/24</a:t>
+              <a:t>30/11/24</a:t>
             </a:fld>
             <a:endParaRPr lang="es-ES_tradnl"/>
           </a:p>
@@ -1973,7 +1979,7 @@
           <a:p>
             <a:fld id="{DC7435B9-0E12-0B4F-AEAD-4257853CAF9C}" type="datetimeFigureOut">
               <a:rPr lang="es-ES_tradnl" smtClean="0"/>
-              <a:t>13/11/24</a:t>
+              <a:t>30/11/24</a:t>
             </a:fld>
             <a:endParaRPr lang="es-ES_tradnl"/>
           </a:p>
@@ -2086,7 +2092,7 @@
           <a:p>
             <a:fld id="{DC7435B9-0E12-0B4F-AEAD-4257853CAF9C}" type="datetimeFigureOut">
               <a:rPr lang="es-ES_tradnl" smtClean="0"/>
-              <a:t>13/11/24</a:t>
+              <a:t>30/11/24</a:t>
             </a:fld>
             <a:endParaRPr lang="es-ES_tradnl"/>
           </a:p>
@@ -2399,7 +2405,7 @@
           <a:p>
             <a:fld id="{DC7435B9-0E12-0B4F-AEAD-4257853CAF9C}" type="datetimeFigureOut">
               <a:rPr lang="es-ES_tradnl" smtClean="0"/>
-              <a:t>13/11/24</a:t>
+              <a:t>30/11/24</a:t>
             </a:fld>
             <a:endParaRPr lang="es-ES_tradnl"/>
           </a:p>
@@ -2688,7 +2694,7 @@
           <a:p>
             <a:fld id="{DC7435B9-0E12-0B4F-AEAD-4257853CAF9C}" type="datetimeFigureOut">
               <a:rPr lang="es-ES_tradnl" smtClean="0"/>
-              <a:t>13/11/24</a:t>
+              <a:t>30/11/24</a:t>
             </a:fld>
             <a:endParaRPr lang="es-ES_tradnl"/>
           </a:p>
@@ -2931,7 +2937,7 @@
           <a:p>
             <a:fld id="{DC7435B9-0E12-0B4F-AEAD-4257853CAF9C}" type="datetimeFigureOut">
               <a:rPr lang="es-ES_tradnl" smtClean="0"/>
-              <a:t>13/11/24</a:t>
+              <a:t>30/11/24</a:t>
             </a:fld>
             <a:endParaRPr lang="es-ES_tradnl"/>
           </a:p>
@@ -3718,19 +3724,18 @@
             <a:pPr marL="457200" lvl="1" indent="0">
               <a:buNone/>
             </a:pPr>
-            <a:endParaRPr lang="es-ES_tradnl" dirty="0"/>
-          </a:p>
-          <a:p>
             <a:r>
               <a:rPr lang="es-ES_tradnl" dirty="0"/>
-              <a:t>Modelo de Surtido con Mandil</a:t>
-            </a:r>
-          </a:p>
-          <a:p>
-            <a:pPr lvl="1"/>
+              <a:t>Se pueden armar Contenedores simples o consolidados.</a:t>
+            </a:r>
+          </a:p>
+          <a:p>
+            <a:pPr marL="457200" lvl="1" indent="0">
+              <a:buNone/>
+            </a:pPr>
             <a:r>
               <a:rPr lang="es-ES_tradnl" dirty="0"/>
-              <a:t>Transporte (Mandil) – Contenedor – Bulto (Bolsa de Plástico)</a:t>
+              <a:t>Se arma un Contenedor Consolidado cuando se usa el mismo Contenedor para meter varios Pedidos al mismo tiempo.</a:t>
             </a:r>
           </a:p>
           <a:p>
@@ -3738,24 +3743,8 @@
               <a:buNone/>
             </a:pPr>
             <a:r>
-              <a:rPr lang="es-ES_tradnl" sz="2000" dirty="0"/>
-              <a:t>Como el Transporte (Mandil) no es el que llega al </a:t>
-            </a:r>
-            <a:r>
-              <a:rPr lang="es-ES_tradnl" sz="2000" dirty="0" err="1"/>
-              <a:t>Sorter</a:t>
-            </a:r>
-            <a:r>
-              <a:rPr lang="es-ES_tradnl" sz="2000" dirty="0"/>
-              <a:t> es necesario hacer un Traspaleo de Contenedor, el Transporte - Contenedor que se arma es el que llega al </a:t>
-            </a:r>
-            <a:r>
-              <a:rPr lang="es-ES_tradnl" sz="2000" dirty="0" err="1"/>
-              <a:t>Sorter</a:t>
-            </a:r>
-            <a:r>
-              <a:rPr lang="es-ES_tradnl" sz="2000" dirty="0"/>
-              <a:t>.</a:t>
+              <a:rPr lang="es-ES_tradnl" dirty="0"/>
+              <a:t>El Contenedor simple puede ser cerrado y asegurado con un Cincho de Seguridad.</a:t>
             </a:r>
           </a:p>
         </p:txBody>
@@ -3774,6 +3763,154 @@
 </file>
 
 <file path=ppt/slides/slide5.xml><?xml version="1.0" encoding="utf-8"?>
+<p:sld xmlns:a="http://schemas.openxmlformats.org/drawingml/2006/main" xmlns:r="http://schemas.openxmlformats.org/officeDocument/2006/relationships" xmlns:p="http://schemas.openxmlformats.org/presentationml/2006/main">
+  <p:cSld>
+    <p:spTree>
+      <p:nvGrpSpPr>
+        <p:cNvPr id="1" name="">
+          <a:extLst>
+            <a:ext uri="{FF2B5EF4-FFF2-40B4-BE49-F238E27FC236}">
+              <a16:creationId xmlns:a16="http://schemas.microsoft.com/office/drawing/2014/main" id="{9311D1A4-945D-F777-2468-FB78598D63F1}"/>
+            </a:ext>
+          </a:extLst>
+        </p:cNvPr>
+        <p:cNvGrpSpPr/>
+        <p:nvPr/>
+      </p:nvGrpSpPr>
+      <p:grpSpPr>
+        <a:xfrm>
+          <a:off x="0" y="0"/>
+          <a:ext cx="0" cy="0"/>
+          <a:chOff x="0" y="0"/>
+          <a:chExt cx="0" cy="0"/>
+        </a:xfrm>
+      </p:grpSpPr>
+      <p:sp>
+        <p:nvSpPr>
+          <p:cNvPr id="2" name="Title 1">
+            <a:extLst>
+              <a:ext uri="{FF2B5EF4-FFF2-40B4-BE49-F238E27FC236}">
+                <a16:creationId xmlns:a16="http://schemas.microsoft.com/office/drawing/2014/main" id="{4432E3A5-1800-82FF-B355-0FCC428FDC17}"/>
+              </a:ext>
+            </a:extLst>
+          </p:cNvPr>
+          <p:cNvSpPr>
+            <a:spLocks noGrp="1"/>
+          </p:cNvSpPr>
+          <p:nvPr>
+            <p:ph type="title"/>
+          </p:nvPr>
+        </p:nvSpPr>
+        <p:spPr/>
+        <p:txBody>
+          <a:bodyPr/>
+          <a:lstStyle/>
+          <a:p>
+            <a:r>
+              <a:rPr lang="es-ES_tradnl" dirty="0"/>
+              <a:t>Modelos de Surtido</a:t>
+            </a:r>
+          </a:p>
+        </p:txBody>
+      </p:sp>
+      <p:sp>
+        <p:nvSpPr>
+          <p:cNvPr id="3" name="Content Placeholder 2">
+            <a:extLst>
+              <a:ext uri="{FF2B5EF4-FFF2-40B4-BE49-F238E27FC236}">
+                <a16:creationId xmlns:a16="http://schemas.microsoft.com/office/drawing/2014/main" id="{963ED745-46EB-A27A-CAF8-B35A2F2EA5B1}"/>
+              </a:ext>
+            </a:extLst>
+          </p:cNvPr>
+          <p:cNvSpPr>
+            <a:spLocks noGrp="1"/>
+          </p:cNvSpPr>
+          <p:nvPr>
+            <p:ph idx="1"/>
+          </p:nvPr>
+        </p:nvSpPr>
+        <p:spPr/>
+        <p:txBody>
+          <a:bodyPr/>
+          <a:lstStyle/>
+          <a:p>
+            <a:r>
+              <a:rPr lang="es-ES_tradnl" dirty="0"/>
+              <a:t>Modelo de Surtido con Mandil</a:t>
+            </a:r>
+          </a:p>
+          <a:p>
+            <a:pPr lvl="1"/>
+            <a:r>
+              <a:rPr lang="es-ES_tradnl" dirty="0"/>
+              <a:t>Transporte (Mandil) – Contenedor – Bulto (Bolsa de Plástico)</a:t>
+            </a:r>
+          </a:p>
+          <a:p>
+            <a:pPr marL="457200" lvl="1" indent="0">
+              <a:buNone/>
+            </a:pPr>
+            <a:r>
+              <a:rPr lang="es-ES_tradnl" sz="2400" dirty="0"/>
+              <a:t>Como el Transporte (Mandil) no es el que llega al </a:t>
+            </a:r>
+            <a:r>
+              <a:rPr lang="es-ES_tradnl" sz="2400" dirty="0" err="1"/>
+              <a:t>Sorter</a:t>
+            </a:r>
+            <a:r>
+              <a:rPr lang="es-ES_tradnl" sz="2400" dirty="0"/>
+              <a:t> es necesario hacer un Traspaleo de Contenedor, el Transporte - Contenedor que se arma es el que llega al </a:t>
+            </a:r>
+            <a:r>
+              <a:rPr lang="es-ES_tradnl" sz="2400" dirty="0" err="1"/>
+              <a:t>Sorter</a:t>
+            </a:r>
+            <a:r>
+              <a:rPr lang="es-ES_tradnl" sz="2400" dirty="0"/>
+              <a:t>.</a:t>
+            </a:r>
+          </a:p>
+          <a:p>
+            <a:pPr marL="457200" lvl="1" indent="0">
+              <a:buNone/>
+            </a:pPr>
+            <a:r>
+              <a:rPr lang="es-ES_tradnl" dirty="0"/>
+              <a:t>Puede ser posible también que se abra un Transporte (Carro) para ir guardando el Contenedor consolidado. El Contenedor consolidado que se va armando se cerrará y también se cerrará el Transporte y al final el Transporte llegará al </a:t>
+            </a:r>
+            <a:r>
+              <a:rPr lang="es-ES_tradnl" dirty="0" err="1"/>
+              <a:t>Sorter</a:t>
+            </a:r>
+            <a:r>
+              <a:rPr lang="es-ES_tradnl" dirty="0"/>
+              <a:t>.</a:t>
+            </a:r>
+            <a:endParaRPr lang="es-ES_tradnl" sz="2400" dirty="0"/>
+          </a:p>
+          <a:p>
+            <a:pPr marL="457200" lvl="1" indent="0">
+              <a:buNone/>
+            </a:pPr>
+            <a:endParaRPr lang="es-ES_tradnl" sz="2400" dirty="0"/>
+          </a:p>
+        </p:txBody>
+      </p:sp>
+    </p:spTree>
+    <p:extLst>
+      <p:ext uri="{BB962C8B-B14F-4D97-AF65-F5344CB8AC3E}">
+        <p14:creationId xmlns:p14="http://schemas.microsoft.com/office/powerpoint/2010/main" val="1234593760"/>
+      </p:ext>
+    </p:extLst>
+  </p:cSld>
+  <p:clrMapOvr>
+    <a:masterClrMapping/>
+  </p:clrMapOvr>
+</p:sld>
+</file>
+
+<file path=ppt/slides/slide6.xml><?xml version="1.0" encoding="utf-8"?>
 <p:sld xmlns:a="http://schemas.openxmlformats.org/drawingml/2006/main" xmlns:r="http://schemas.openxmlformats.org/officeDocument/2006/relationships" xmlns:p="http://schemas.openxmlformats.org/presentationml/2006/main">
   <p:cSld>
     <p:spTree>
@@ -3897,7 +4034,7 @@
             </a:pPr>
             <a:r>
               <a:rPr lang="es-ES_tradnl" sz="2000" dirty="0"/>
-              <a:t>El Traspaleo se hace por otra persona distinta al Surtidor (el Surtidor surte en un Transporte y deja en una área de espera), el ‘</a:t>
+              <a:t>El Traspaleo se hace por otra persona distinta al Surtidor (el Surtidor surte en un Transporte y deja en un área de espera), el ‘</a:t>
             </a:r>
             <a:r>
               <a:rPr lang="es-ES_tradnl" sz="2000" dirty="0" err="1"/>
@@ -3946,7 +4083,7 @@
 </p:sld>
 </file>
 
-<file path=ppt/slides/slide6.xml><?xml version="1.0" encoding="utf-8"?>
+<file path=ppt/slides/slide7.xml><?xml version="1.0" encoding="utf-8"?>
 <p:sld xmlns:a="http://schemas.openxmlformats.org/drawingml/2006/main" xmlns:r="http://schemas.openxmlformats.org/officeDocument/2006/relationships" xmlns:p="http://schemas.openxmlformats.org/presentationml/2006/main">
   <p:cSld>
     <p:spTree>
@@ -4047,7 +4184,7 @@
             </a:pPr>
             <a:r>
               <a:rPr lang="es-ES_tradnl" sz="2000" dirty="0"/>
-              <a:t>Pero también sucede el Traspaleo de Bultos. Se tiene que armar un Transporte – Contenedor mas grande que contenga Bultos de diferentes Clientes.</a:t>
+              <a:t>Pero también sucede el Traspaleo de Bultos. Se tiene que armar un Transporte – Contenedor más grande que contenga Bultos de diferentes Clientes.</a:t>
             </a:r>
           </a:p>
           <a:p>
@@ -4106,7 +4243,7 @@
 </p:sld>
 </file>
 
-<file path=ppt/slides/slide7.xml><?xml version="1.0" encoding="utf-8"?>
+<file path=ppt/slides/slide8.xml><?xml version="1.0" encoding="utf-8"?>
 <p:sld xmlns:a="http://schemas.openxmlformats.org/drawingml/2006/main" xmlns:r="http://schemas.openxmlformats.org/officeDocument/2006/relationships" xmlns:p="http://schemas.openxmlformats.org/presentationml/2006/main">
   <p:cSld>
     <p:spTree>
